--- a/documents/EarlyBird_기획서.pptx
+++ b/documents/EarlyBird_기획서.pptx
@@ -7208,13 +7208,7 @@
       </p:pic>
       <p:pic>
         <p:nvPicPr>
-          <p:cNvPr id="8" name="그림 7">
-            <a:extLst>
-              <a:ext uri="{FF2B5EF4-FFF2-40B4-BE49-F238E27FC236}">
-                <a16:creationId xmlns:a16="http://schemas.microsoft.com/office/drawing/2014/main" id="{D101059D-09A7-ED7C-A60F-B621E4EAD49C}"/>
-              </a:ext>
-            </a:extLst>
-          </p:cNvPr>
+          <p:cNvPr id="2" name="그림 1"/>
           <p:cNvPicPr>
             <a:picLocks noChangeAspect="1"/>
           </p:cNvPicPr>
@@ -7234,8 +7228,8 @@
         </p:blipFill>
         <p:spPr>
           <a:xfrm>
-            <a:off x="2808508" y="5045075"/>
-            <a:ext cx="2296962" cy="3557882"/>
+            <a:off x="2635250" y="5205283"/>
+            <a:ext cx="2724530" cy="3448138"/>
           </a:xfrm>
           <a:prstGeom prst="rect">
             <a:avLst/>

--- a/documents/EarlyBird_기획서.pptx
+++ b/documents/EarlyBird_기획서.pptx
@@ -7444,13 +7444,7 @@
       </p:sp>
       <p:pic>
         <p:nvPicPr>
-          <p:cNvPr id="7" name="그림 6">
-            <a:extLst>
-              <a:ext uri="{FF2B5EF4-FFF2-40B4-BE49-F238E27FC236}">
-                <a16:creationId xmlns:a16="http://schemas.microsoft.com/office/drawing/2014/main" id="{D5069C66-1109-57D0-0A4D-104556B5CB95}"/>
-              </a:ext>
-            </a:extLst>
-          </p:cNvPr>
+          <p:cNvPr id="2" name="그림 1"/>
           <p:cNvPicPr>
             <a:picLocks noChangeAspect="1"/>
           </p:cNvPicPr>
@@ -7480,13 +7474,7 @@
       </p:pic>
       <p:pic>
         <p:nvPicPr>
-          <p:cNvPr id="10" name="그림 9">
-            <a:extLst>
-              <a:ext uri="{FF2B5EF4-FFF2-40B4-BE49-F238E27FC236}">
-                <a16:creationId xmlns:a16="http://schemas.microsoft.com/office/drawing/2014/main" id="{4307E0C2-D554-6E23-7705-64BE00F3FD61}"/>
-              </a:ext>
-            </a:extLst>
-          </p:cNvPr>
+          <p:cNvPr id="3" name="그림 2"/>
           <p:cNvPicPr>
             <a:picLocks noChangeAspect="1"/>
           </p:cNvPicPr>
